--- a/lectures/SECURITY/slides/lecture12.pptx
+++ b/lectures/SECURITY/slides/lecture12.pptx
@@ -1072,7 +1072,7 @@
           <a:p>
             <a:pPr eaLnBrk="1" hangingPunct="1"/>
             <a:r>
-              <a:rPr lang="en-US" smtClean="0">
+              <a:rPr lang="en-US" dirty="0" smtClean="0">
                 <a:latin typeface="Arial" pitchFamily="34" charset="0"/>
                 <a:cs typeface="Arial" pitchFamily="34" charset="0"/>
               </a:rPr>
@@ -1082,21 +1082,21 @@
           <a:p>
             <a:pPr eaLnBrk="1" hangingPunct="1"/>
             <a:r>
-              <a:rPr lang="en-US" smtClean="0">
+              <a:rPr lang="en-US" dirty="0" smtClean="0">
                 <a:latin typeface="Arial" pitchFamily="34" charset="0"/>
                 <a:cs typeface="Arial" pitchFamily="34" charset="0"/>
               </a:rPr>
               <a:t>• </a:t>
             </a:r>
             <a:r>
-              <a:rPr lang="en-US" b="1" smtClean="0">
+              <a:rPr lang="en-US" b="1" dirty="0" smtClean="0">
                 <a:latin typeface="Arial" pitchFamily="34" charset="0"/>
                 <a:cs typeface="Arial" pitchFamily="34" charset="0"/>
               </a:rPr>
               <a:t>Secure: </a:t>
             </a:r>
             <a:r>
-              <a:rPr lang="en-US" smtClean="0">
+              <a:rPr lang="en-US" dirty="0" smtClean="0">
                 <a:latin typeface="Arial" pitchFamily="34" charset="0"/>
                 <a:cs typeface="Arial" pitchFamily="34" charset="0"/>
               </a:rPr>
@@ -1106,21 +1106,21 @@
           <a:p>
             <a:pPr eaLnBrk="1" hangingPunct="1"/>
             <a:r>
-              <a:rPr lang="en-US" smtClean="0">
+              <a:rPr lang="en-US" dirty="0" smtClean="0">
                 <a:latin typeface="Arial" pitchFamily="34" charset="0"/>
                 <a:cs typeface="Arial" pitchFamily="34" charset="0"/>
               </a:rPr>
               <a:t>• </a:t>
             </a:r>
             <a:r>
-              <a:rPr lang="en-US" b="1" smtClean="0">
+              <a:rPr lang="en-US" b="1" dirty="0" smtClean="0">
                 <a:latin typeface="Arial" pitchFamily="34" charset="0"/>
                 <a:cs typeface="Arial" pitchFamily="34" charset="0"/>
               </a:rPr>
               <a:t>Reliable</a:t>
             </a:r>
             <a:r>
-              <a:rPr lang="en-US" smtClean="0">
+              <a:rPr lang="en-US" dirty="0" smtClean="0">
                 <a:latin typeface="Arial" pitchFamily="34" charset="0"/>
                 <a:cs typeface="Arial" pitchFamily="34" charset="0"/>
               </a:rPr>
@@ -1130,21 +1130,21 @@
           <a:p>
             <a:pPr eaLnBrk="1" hangingPunct="1"/>
             <a:r>
-              <a:rPr lang="en-US" smtClean="0">
+              <a:rPr lang="en-US" dirty="0" smtClean="0">
                 <a:latin typeface="Arial" pitchFamily="34" charset="0"/>
                 <a:cs typeface="Arial" pitchFamily="34" charset="0"/>
               </a:rPr>
               <a:t>• </a:t>
             </a:r>
             <a:r>
-              <a:rPr lang="en-US" b="1" smtClean="0">
+              <a:rPr lang="en-US" b="1" dirty="0" smtClean="0">
                 <a:latin typeface="Arial" pitchFamily="34" charset="0"/>
                 <a:cs typeface="Arial" pitchFamily="34" charset="0"/>
               </a:rPr>
               <a:t>Transparent</a:t>
             </a:r>
             <a:r>
-              <a:rPr lang="en-US" smtClean="0">
+              <a:rPr lang="en-US" dirty="0" smtClean="0">
                 <a:latin typeface="Arial" pitchFamily="34" charset="0"/>
                 <a:cs typeface="Arial" pitchFamily="34" charset="0"/>
               </a:rPr>
@@ -1154,21 +1154,21 @@
           <a:p>
             <a:pPr eaLnBrk="1" hangingPunct="1"/>
             <a:r>
-              <a:rPr lang="en-US" smtClean="0">
+              <a:rPr lang="en-US" dirty="0" smtClean="0">
                 <a:latin typeface="Arial" pitchFamily="34" charset="0"/>
                 <a:cs typeface="Arial" pitchFamily="34" charset="0"/>
               </a:rPr>
               <a:t>• </a:t>
             </a:r>
             <a:r>
-              <a:rPr lang="en-US" b="1" smtClean="0">
+              <a:rPr lang="en-US" b="1" dirty="0" smtClean="0">
                 <a:latin typeface="Arial" pitchFamily="34" charset="0"/>
                 <a:cs typeface="Arial" pitchFamily="34" charset="0"/>
               </a:rPr>
               <a:t>Scalable</a:t>
             </a:r>
             <a:r>
-              <a:rPr lang="en-US" smtClean="0">
+              <a:rPr lang="en-US" dirty="0" smtClean="0">
                 <a:latin typeface="Arial" pitchFamily="34" charset="0"/>
                 <a:cs typeface="Arial" pitchFamily="34" charset="0"/>
               </a:rPr>
@@ -1178,7 +1178,7 @@
           <a:p>
             <a:pPr eaLnBrk="1" hangingPunct="1"/>
             <a:r>
-              <a:rPr lang="en-US" smtClean="0">
+              <a:rPr lang="en-US" dirty="0" smtClean="0">
                 <a:latin typeface="Arial" pitchFamily="34" charset="0"/>
                 <a:cs typeface="Arial" pitchFamily="34" charset="0"/>
               </a:rPr>
@@ -1381,7 +1381,7 @@
           <a:p>
             <a:pPr eaLnBrk="1" hangingPunct="1"/>
             <a:r>
-              <a:rPr lang="en-AU" smtClean="0">
+              <a:rPr lang="en-AU" dirty="0" smtClean="0">
                 <a:latin typeface="Arial" pitchFamily="34" charset="0"/>
               </a:rPr>
               <a:t>The full Kerberos v4 authentication dialogue is shown here from Stallings Table 15.1, divided into 3 phases. The justification for each item in the messages is given in Stallings Table 15.2.</a:t>
@@ -1390,7 +1390,7 @@
           <a:p>
             <a:pPr eaLnBrk="1" hangingPunct="1"/>
             <a:r>
-              <a:rPr lang="en-US" smtClean="0">
+              <a:rPr lang="en-US" dirty="0" smtClean="0">
                 <a:latin typeface="Arial" pitchFamily="34" charset="0"/>
               </a:rPr>
               <a:t>First, consider the problem of captured ticket-granting tickets and the need to determine that the ticket presenter is the same as the client for whom the ticket was issued. An efficient way of doing this is to use a session encryption key to secure information. Table 15.1a shows the technique for distributing the session key. Note that several additional pieces of information have been added to this first phase of the dialogue. Message (1) includes a timestamp, so that the AS knows that the message is timely. Message (2) includes several elements of the ticket in a form accessible to C. This enables C to confirm that this ticket is for the TGS and to learn its expiration time. Note that the ticket does not prove anyone's identity but is a way to distribute keys securely. It is the authenticator that proves the client's identity. Because the authenticator can be used only once and has a short lifetime, the threat of an opponent stealing both the ticket and the authenticator for presentation later is countered. C then sends the TGS a message that includes the ticket plus the ID of the requested service (message 3). The reply from the TGS, in message (4), follows the form of message (2). C now has a reusable service-granting ticket for V. When C presents this ticket, as shown in message (5), it also sends an authenticator. The server can decrypt the ticket, recover the session key, and decrypt the authenticator.  If mutual authentication is required, the server can reply as shown in message (6)</a:t>
@@ -1398,7 +1398,7 @@
           </a:p>
           <a:p>
             <a:pPr eaLnBrk="1" hangingPunct="1"/>
-            <a:endParaRPr lang="en-AU" smtClean="0">
+            <a:endParaRPr lang="en-AU" dirty="0" smtClean="0">
               <a:latin typeface="Arial" pitchFamily="34" charset="0"/>
             </a:endParaRPr>
           </a:p>
@@ -1898,43 +1898,43 @@
           <a:p>
             <a:pPr eaLnBrk="1" hangingPunct="1"/>
             <a:r>
-              <a:rPr lang="en-AU" smtClean="0">
+              <a:rPr lang="en-AU" dirty="0" smtClean="0">
                 <a:latin typeface="Arial" pitchFamily="34" charset="0"/>
               </a:rPr>
               <a:t>The </a:t>
             </a:r>
             <a:r>
-              <a:rPr lang="en-US" smtClean="0">
+              <a:rPr lang="en-US" dirty="0" smtClean="0">
                 <a:latin typeface="Arial" pitchFamily="34" charset="0"/>
               </a:rPr>
               <a:t>basic </a:t>
             </a:r>
             <a:r>
-              <a:rPr lang="en-AU" smtClean="0">
+              <a:rPr lang="en-AU" dirty="0" smtClean="0">
                 <a:latin typeface="Arial" pitchFamily="34" charset="0"/>
               </a:rPr>
               <a:t>Kerberos </a:t>
             </a:r>
             <a:r>
-              <a:rPr lang="en-US" smtClean="0">
+              <a:rPr lang="en-US" dirty="0" smtClean="0">
                 <a:latin typeface="Arial" pitchFamily="34" charset="0"/>
               </a:rPr>
               <a:t>version 5 </a:t>
             </a:r>
             <a:r>
-              <a:rPr lang="en-AU" smtClean="0">
+              <a:rPr lang="en-AU" dirty="0" smtClean="0">
                 <a:latin typeface="Arial" pitchFamily="34" charset="0"/>
               </a:rPr>
               <a:t>authentication dialogue is shown here from Stallings Table 15.3. </a:t>
             </a:r>
             <a:r>
-              <a:rPr lang="en-US" smtClean="0">
+              <a:rPr lang="en-US" dirty="0" smtClean="0">
                 <a:latin typeface="Arial" pitchFamily="34" charset="0"/>
               </a:rPr>
               <a:t>First, consider the </a:t>
             </a:r>
             <a:r>
-              <a:rPr lang="en-US" b="1" smtClean="0">
+              <a:rPr lang="en-US" b="1" dirty="0" smtClean="0">
                 <a:latin typeface="Arial" pitchFamily="34" charset="0"/>
               </a:rPr>
               <a:t>authentication service exchange. </a:t>
@@ -1943,19 +1943,19 @@
           <a:p>
             <a:pPr eaLnBrk="1" hangingPunct="1"/>
             <a:r>
-              <a:rPr lang="en-US" smtClean="0">
+              <a:rPr lang="en-US" dirty="0" smtClean="0">
                 <a:latin typeface="Arial" pitchFamily="34" charset="0"/>
               </a:rPr>
               <a:t>Message (1) is a client request for a ticket-granting ticket. </a:t>
             </a:r>
-            <a:endParaRPr lang="en-AU" smtClean="0">
+            <a:endParaRPr lang="en-AU" dirty="0" smtClean="0">
               <a:latin typeface="Arial" pitchFamily="34" charset="0"/>
             </a:endParaRPr>
           </a:p>
           <a:p>
             <a:pPr eaLnBrk="1" hangingPunct="1"/>
             <a:r>
-              <a:rPr lang="en-US" smtClean="0">
+              <a:rPr lang="en-US" dirty="0" smtClean="0">
                 <a:latin typeface="Arial" pitchFamily="34" charset="0"/>
               </a:rPr>
               <a:t>Message (2) returns a ticket-granting ticket, identifying information for the client, and a block encrypted using the encryption key based on the user's password. This block includes the session key to be used between the client and the TGS.</a:t>
@@ -1964,24 +1964,24 @@
           <a:p>
             <a:pPr eaLnBrk="1" hangingPunct="1"/>
             <a:r>
-              <a:rPr lang="en-US" smtClean="0">
+              <a:rPr lang="en-US" dirty="0" smtClean="0">
                 <a:latin typeface="Arial" pitchFamily="34" charset="0"/>
               </a:rPr>
               <a:t>Now compare the </a:t>
             </a:r>
             <a:r>
-              <a:rPr lang="en-US" b="1" smtClean="0">
+              <a:rPr lang="en-US" b="1" dirty="0" smtClean="0">
                 <a:latin typeface="Arial" pitchFamily="34" charset="0"/>
               </a:rPr>
               <a:t>ticket-granting service </a:t>
             </a:r>
             <a:r>
-              <a:rPr lang="en-US" smtClean="0">
+              <a:rPr lang="en-US" dirty="0" smtClean="0">
                 <a:latin typeface="Arial" pitchFamily="34" charset="0"/>
               </a:rPr>
               <a:t>exchange for versions 4 and 5. See that message (3) for both versions includes an authenticator, a ticket, and the name of the requested service. In addition, version 5 includes requested times and options for the ticket and a nonce, all with functions similar to those of message (1). The authenticator itself is essentially the same as the one used in version 4.  Message (4) has the same structure as message (2), returning a ticket plus information needed by the client, the latter encrypted with the session key now shared by the client and the TGS.  Finally, for the client/server authentication exchange, several new features appear in version 5, such as a request for mutual authentication. If required, the server responds with message (6) that includes the timestamp from the authenticator. The flags field included in tickets in version 5 supports expanded functionality compared to that available in version 4. Stallings Table 15.4 summarizes the flags that may be included in a ticket., with discussion of details in the text.</a:t>
             </a:r>
-            <a:endParaRPr lang="en-AU" smtClean="0">
+            <a:endParaRPr lang="en-AU" dirty="0" smtClean="0">
               <a:latin typeface="Arial" pitchFamily="34" charset="0"/>
             </a:endParaRPr>
           </a:p>
@@ -2453,7 +2453,7 @@
           <a:p>
             <a:pPr eaLnBrk="1" hangingPunct="1"/>
             <a:r>
-              <a:rPr lang="en-US" smtClean="0">
+              <a:rPr lang="en-US" dirty="0" smtClean="0">
                 <a:latin typeface="Arial" pitchFamily="34" charset="0"/>
               </a:rPr>
               <a:t>Federated identity management is a relatively new concept dealing with the use of a common identity management scheme across multiple enterprises and numerous applications and supporting many thousands, even millions of users. Identity management is a centralized, automated approach to provide enterprise-wide access to resources by employees and other authorized individuals, defining an identity for each user (human or process), associating attributes with the identity, and enforcing a means by which a user can verify identity. Its principal elements are:</a:t>
@@ -2462,42 +2462,54 @@
           <a:p>
             <a:pPr eaLnBrk="1" hangingPunct="1"/>
             <a:r>
-              <a:rPr lang="en-US" smtClean="0">
+              <a:rPr lang="en-US" dirty="0" smtClean="0">
                 <a:latin typeface="Arial" pitchFamily="34" charset="0"/>
                 <a:cs typeface="Times New Roman" pitchFamily="18" charset="0"/>
               </a:rPr>
               <a:t>• </a:t>
             </a:r>
             <a:r>
-              <a:rPr lang="en-US" b="1" smtClean="0">
+              <a:rPr lang="en-US" b="1" dirty="0" smtClean="0">
                 <a:latin typeface="Arial" pitchFamily="34" charset="0"/>
               </a:rPr>
               <a:t>Authentication:</a:t>
             </a:r>
             <a:r>
-              <a:rPr lang="en-US" smtClean="0">
+              <a:rPr lang="en-US" dirty="0" smtClean="0">
                 <a:latin typeface="Arial" pitchFamily="34" charset="0"/>
               </a:rPr>
-              <a:t> confirmating user corresponds to the user name provided.</a:t>
+              <a:t> </a:t>
+            </a:r>
+            <a:r>
+              <a:rPr lang="en-US" dirty="0" err="1" smtClean="0">
+                <a:latin typeface="Arial" pitchFamily="34" charset="0"/>
+              </a:rPr>
+              <a:t>confirmating</a:t>
+            </a:r>
+            <a:r>
+              <a:rPr lang="en-US" dirty="0" smtClean="0">
+                <a:latin typeface="Arial" pitchFamily="34" charset="0"/>
+              </a:rPr>
+              <a:t> user corresponds to the user name provided.</a:t>
             </a:r>
           </a:p>
           <a:p>
             <a:pPr eaLnBrk="1" hangingPunct="1"/>
             <a:r>
-              <a:rPr lang="en-US" smtClean="0">
+              <a:rPr lang="en-US" dirty="0" smtClean="0">
                 <a:latin typeface="Arial" pitchFamily="34" charset="0"/>
                 <a:cs typeface="Times New Roman" pitchFamily="18" charset="0"/>
               </a:rPr>
               <a:t>• </a:t>
             </a:r>
             <a:r>
-              <a:rPr lang="en-US" b="1" smtClean="0">
+              <a:rPr lang="en-US" b="1" dirty="0" smtClean="0">
                 <a:latin typeface="Arial" pitchFamily="34" charset="0"/>
               </a:rPr>
               <a:t>Authorization:</a:t>
             </a:r>
             <a:r>
-              <a:rPr lang="en-US" smtClean="0">
+              <a:rPr lang="en-US" dirty="0" smtClean="0">
                 <a:latin typeface="Arial" pitchFamily="34" charset="0"/>
               </a:rPr>
               <a:t> granting access to services/resources given user authentication.</a:t>
@@ -2506,20 +2518,20 @@
           <a:p>
             <a:pPr eaLnBrk="1" hangingPunct="1"/>
             <a:r>
-              <a:rPr lang="en-US" smtClean="0">
+              <a:rPr lang="en-US" dirty="0" smtClean="0">
                 <a:latin typeface="Arial" pitchFamily="34" charset="0"/>
                 <a:cs typeface="Times New Roman" pitchFamily="18" charset="0"/>
               </a:rPr>
               <a:t>• </a:t>
             </a:r>
             <a:r>
-              <a:rPr lang="en-US" b="1" smtClean="0">
+              <a:rPr lang="en-US" b="1" dirty="0" smtClean="0">
                 <a:latin typeface="Arial" pitchFamily="34" charset="0"/>
               </a:rPr>
               <a:t>Accounting:</a:t>
             </a:r>
             <a:r>
-              <a:rPr lang="en-US" smtClean="0">
+              <a:rPr lang="en-US" dirty="0" smtClean="0">
                 <a:latin typeface="Arial" pitchFamily="34" charset="0"/>
               </a:rPr>
               <a:t> process for logging access and authorization.</a:t>
@@ -2528,20 +2540,20 @@
           <a:p>
             <a:pPr eaLnBrk="1" hangingPunct="1"/>
             <a:r>
-              <a:rPr lang="en-US" smtClean="0">
+              <a:rPr lang="en-US" dirty="0" smtClean="0">
                 <a:latin typeface="Arial" pitchFamily="34" charset="0"/>
                 <a:cs typeface="Times New Roman" pitchFamily="18" charset="0"/>
               </a:rPr>
               <a:t>• </a:t>
             </a:r>
             <a:r>
-              <a:rPr lang="en-US" b="1" smtClean="0">
+              <a:rPr lang="en-US" b="1" dirty="0" smtClean="0">
                 <a:latin typeface="Arial" pitchFamily="34" charset="0"/>
               </a:rPr>
               <a:t>Provisioning:</a:t>
             </a:r>
             <a:r>
-              <a:rPr lang="en-US" smtClean="0">
+              <a:rPr lang="en-US" dirty="0" smtClean="0">
                 <a:latin typeface="Arial" pitchFamily="34" charset="0"/>
               </a:rPr>
               <a:t> enrollment of users in the system.</a:t>
@@ -2550,20 +2562,20 @@
           <a:p>
             <a:pPr eaLnBrk="1" hangingPunct="1"/>
             <a:r>
-              <a:rPr lang="en-US" smtClean="0">
+              <a:rPr lang="en-US" dirty="0" smtClean="0">
                 <a:latin typeface="Arial" pitchFamily="34" charset="0"/>
                 <a:cs typeface="Times New Roman" pitchFamily="18" charset="0"/>
               </a:rPr>
               <a:t>• </a:t>
             </a:r>
             <a:r>
-              <a:rPr lang="en-US" b="1" smtClean="0">
+              <a:rPr lang="en-US" b="1" dirty="0" smtClean="0">
                 <a:latin typeface="Arial" pitchFamily="34" charset="0"/>
               </a:rPr>
               <a:t>Workflow automation:</a:t>
             </a:r>
             <a:r>
-              <a:rPr lang="en-US" smtClean="0">
+              <a:rPr lang="en-US" dirty="0" smtClean="0">
                 <a:latin typeface="Arial" pitchFamily="34" charset="0"/>
               </a:rPr>
               <a:t> movement of data in a business process.</a:t>
@@ -2572,20 +2584,20 @@
           <a:p>
             <a:pPr eaLnBrk="1" hangingPunct="1"/>
             <a:r>
-              <a:rPr lang="en-US" smtClean="0">
+              <a:rPr lang="en-US" dirty="0" smtClean="0">
                 <a:latin typeface="Arial" pitchFamily="34" charset="0"/>
                 <a:cs typeface="Times New Roman" pitchFamily="18" charset="0"/>
               </a:rPr>
               <a:t>• </a:t>
             </a:r>
             <a:r>
-              <a:rPr lang="en-US" b="1" smtClean="0">
+              <a:rPr lang="en-US" b="1" dirty="0" smtClean="0">
                 <a:latin typeface="Arial" pitchFamily="34" charset="0"/>
               </a:rPr>
               <a:t>Delegated administration:</a:t>
             </a:r>
             <a:r>
-              <a:rPr lang="en-US" smtClean="0">
+              <a:rPr lang="en-US" dirty="0" smtClean="0">
                 <a:latin typeface="Arial" pitchFamily="34" charset="0"/>
               </a:rPr>
               <a:t> use of role-based access control to grant permissions.</a:t>
@@ -2594,20 +2606,20 @@
           <a:p>
             <a:pPr eaLnBrk="1" hangingPunct="1"/>
             <a:r>
-              <a:rPr lang="en-US" smtClean="0">
+              <a:rPr lang="en-US" dirty="0" smtClean="0">
                 <a:latin typeface="Arial" pitchFamily="34" charset="0"/>
                 <a:cs typeface="Times New Roman" pitchFamily="18" charset="0"/>
               </a:rPr>
               <a:t>• </a:t>
             </a:r>
             <a:r>
-              <a:rPr lang="en-US" b="1" smtClean="0">
+              <a:rPr lang="en-US" b="1" dirty="0" smtClean="0">
                 <a:latin typeface="Arial" pitchFamily="34" charset="0"/>
               </a:rPr>
               <a:t>Password synchronization:</a:t>
             </a:r>
             <a:r>
-              <a:rPr lang="en-US" smtClean="0">
+              <a:rPr lang="en-US" dirty="0" smtClean="0">
                 <a:latin typeface="Arial" pitchFamily="34" charset="0"/>
               </a:rPr>
               <a:t> Creating a process for single sign-on (SSO) or reduced sign-on (RSO). </a:t>
@@ -2616,20 +2628,20 @@
           <a:p>
             <a:pPr eaLnBrk="1" hangingPunct="1"/>
             <a:r>
-              <a:rPr lang="en-US" smtClean="0">
+              <a:rPr lang="en-US" dirty="0" smtClean="0">
                 <a:latin typeface="Arial" pitchFamily="34" charset="0"/>
                 <a:cs typeface="Times New Roman" pitchFamily="18" charset="0"/>
               </a:rPr>
               <a:t>• </a:t>
             </a:r>
             <a:r>
-              <a:rPr lang="en-US" b="1" smtClean="0">
+              <a:rPr lang="en-US" b="1" dirty="0" smtClean="0">
                 <a:latin typeface="Arial" pitchFamily="34" charset="0"/>
               </a:rPr>
               <a:t>Self-service password reset:</a:t>
             </a:r>
             <a:r>
-              <a:rPr lang="en-US" smtClean="0">
+              <a:rPr lang="en-US" dirty="0" smtClean="0">
                 <a:latin typeface="Arial" pitchFamily="34" charset="0"/>
               </a:rPr>
               <a:t> enable user to modify their password</a:t>
@@ -2638,20 +2650,20 @@
           <a:p>
             <a:pPr eaLnBrk="1" hangingPunct="1"/>
             <a:r>
-              <a:rPr lang="en-US" smtClean="0">
+              <a:rPr lang="en-US" dirty="0" smtClean="0">
                 <a:latin typeface="Arial" pitchFamily="34" charset="0"/>
                 <a:cs typeface="Times New Roman" pitchFamily="18" charset="0"/>
               </a:rPr>
               <a:t>• </a:t>
             </a:r>
             <a:r>
-              <a:rPr lang="en-US" b="1" smtClean="0">
+              <a:rPr lang="en-US" b="1" dirty="0" smtClean="0">
                 <a:latin typeface="Arial" pitchFamily="34" charset="0"/>
               </a:rPr>
               <a:t>Federation:</a:t>
             </a:r>
             <a:r>
-              <a:rPr lang="en-US" smtClean="0">
+              <a:rPr lang="en-US" dirty="0" smtClean="0">
                 <a:latin typeface="Arial" pitchFamily="34" charset="0"/>
               </a:rPr>
               <a:t> process where authentication and permission will be passed on from one system to another, usually across multiple enterprises, reducing the number of authentications needed by the user.</a:t>
@@ -2660,7 +2672,7 @@
           <a:p>
             <a:pPr eaLnBrk="1" hangingPunct="1"/>
             <a:r>
-              <a:rPr lang="en-US" smtClean="0">
+              <a:rPr lang="en-US" dirty="0" smtClean="0">
                 <a:latin typeface="Arial" pitchFamily="34" charset="0"/>
               </a:rPr>
               <a:t>Kerberos contains a number of the elements of an identity management system.</a:t>
@@ -3025,7 +3037,7 @@
           <a:p>
             <a:pPr eaLnBrk="1" hangingPunct="1"/>
             <a:r>
-              <a:rPr lang="en-US" smtClean="0">
+              <a:rPr lang="en-US" dirty="0" smtClean="0">
                 <a:latin typeface="Arial" pitchFamily="34" charset="0"/>
               </a:rPr>
               <a:t>Federated identity management uses a number of standards as the building blocks for secure identity exchange across different domains or heterogeneous systems. In essence, organizations issue some form of security tickets for their users that can be processed by cooperating partners. Identity federation standards are thus concerned with defining these tickets, in terms of content and format, providing protocols for exchanging tickets and performing a number of management tasks. These tasks include configuring systems to perform attribute transfers and identity mapping, and performing logging and auditing functions.  The principal underlying standard for federated identity is the Security Assertion Markup Language (SAML), which SAML is an XML-based language that defines the exchange of security information between online business partners. SAML conveys authentication information in the form of assertions about subjects. Assertions are statements about the subject issued by an authoritative entity.</a:t>
@@ -3034,7 +3046,7 @@
           <a:p>
             <a:pPr eaLnBrk="1" hangingPunct="1"/>
             <a:r>
-              <a:rPr lang="en-US" smtClean="0">
+              <a:rPr lang="en-US" dirty="0" smtClean="0">
                 <a:latin typeface="Arial" pitchFamily="34" charset="0"/>
               </a:rPr>
               <a:t>SAML is part of a broader collection of standards being issued by OASIS (Organization for the Advancement of Structured Information Standards) for federated identity management. For example, WS-Federation enables browser-based federation; it relies on a security token service to broker trust of identities, attributes, and authentication between participating Web services.  The challenge with federated identity management is to integrate multiple technologies, standards, and services to provide a secure, user-friendly utility. The key, as in most areas of security and networking, is the reliance on a few mature standards widely accepted by industry. Federated identity management seems to have reached this level of maturity. </a:t>
@@ -3359,7 +3371,7 @@
           <a:p>
             <a:pPr eaLnBrk="1" hangingPunct="1"/>
             <a:r>
-              <a:rPr lang="en-US" smtClean="0">
+              <a:rPr lang="en-US" dirty="0" smtClean="0">
                 <a:latin typeface="Arial" pitchFamily="34" charset="0"/>
                 <a:cs typeface="Arial" pitchFamily="34" charset="0"/>
               </a:rPr>
@@ -3369,21 +3381,21 @@
           <a:p>
             <a:pPr eaLnBrk="1" hangingPunct="1"/>
             <a:r>
-              <a:rPr lang="en-US" smtClean="0">
+              <a:rPr lang="en-US" dirty="0" smtClean="0">
                 <a:latin typeface="Arial" pitchFamily="34" charset="0"/>
                 <a:cs typeface="Times New Roman" pitchFamily="18" charset="0"/>
               </a:rPr>
               <a:t>• </a:t>
             </a:r>
             <a:r>
-              <a:rPr lang="en-US" b="1" smtClean="0">
+              <a:rPr lang="en-US" b="1" dirty="0" smtClean="0">
                 <a:latin typeface="Arial" pitchFamily="34" charset="0"/>
                 <a:cs typeface="Arial" pitchFamily="34" charset="0"/>
               </a:rPr>
               <a:t>Something the individual knows:</a:t>
             </a:r>
             <a:r>
-              <a:rPr lang="en-US" smtClean="0">
+              <a:rPr lang="en-US" dirty="0" smtClean="0">
                 <a:latin typeface="Arial" pitchFamily="34" charset="0"/>
                 <a:cs typeface="Arial" pitchFamily="34" charset="0"/>
               </a:rPr>
@@ -3393,35 +3405,35 @@
           <a:p>
             <a:pPr eaLnBrk="1" hangingPunct="1"/>
             <a:r>
-              <a:rPr lang="en-US" smtClean="0">
+              <a:rPr lang="en-US" dirty="0" smtClean="0">
                 <a:latin typeface="Arial" pitchFamily="34" charset="0"/>
                 <a:cs typeface="Times New Roman" pitchFamily="18" charset="0"/>
               </a:rPr>
               <a:t>• </a:t>
             </a:r>
             <a:r>
-              <a:rPr lang="en-US" b="1" smtClean="0">
+              <a:rPr lang="en-US" b="1" dirty="0" smtClean="0">
                 <a:latin typeface="Arial" pitchFamily="34" charset="0"/>
                 <a:cs typeface="Arial" pitchFamily="34" charset="0"/>
               </a:rPr>
               <a:t>Something the individual possesses:</a:t>
             </a:r>
             <a:r>
-              <a:rPr lang="en-US" smtClean="0">
+              <a:rPr lang="en-US" dirty="0" smtClean="0">
                 <a:latin typeface="Arial" pitchFamily="34" charset="0"/>
                 <a:cs typeface="Arial" pitchFamily="34" charset="0"/>
               </a:rPr>
               <a:t> Examples include electronic keycards, smart cards, and physical keys. This type of authenticator is referred to as a </a:t>
             </a:r>
             <a:r>
-              <a:rPr lang="en-US" i="1" smtClean="0">
+              <a:rPr lang="en-US" i="1" dirty="0" smtClean="0">
                 <a:latin typeface="Arial" pitchFamily="34" charset="0"/>
                 <a:cs typeface="Arial" pitchFamily="34" charset="0"/>
               </a:rPr>
               <a:t>token</a:t>
             </a:r>
             <a:r>
-              <a:rPr lang="en-US" smtClean="0">
+              <a:rPr lang="en-US" dirty="0" smtClean="0">
                 <a:latin typeface="Arial" pitchFamily="34" charset="0"/>
                 <a:cs typeface="Arial" pitchFamily="34" charset="0"/>
               </a:rPr>
@@ -3431,21 +3443,21 @@
           <a:p>
             <a:pPr eaLnBrk="1" hangingPunct="1"/>
             <a:r>
-              <a:rPr lang="en-US" smtClean="0">
+              <a:rPr lang="en-US" dirty="0" smtClean="0">
                 <a:latin typeface="Arial" pitchFamily="34" charset="0"/>
                 <a:cs typeface="Times New Roman" pitchFamily="18" charset="0"/>
               </a:rPr>
               <a:t>• </a:t>
             </a:r>
             <a:r>
-              <a:rPr lang="en-US" b="1" smtClean="0">
+              <a:rPr lang="en-US" b="1" dirty="0" smtClean="0">
                 <a:latin typeface="Arial" pitchFamily="34" charset="0"/>
                 <a:cs typeface="Arial" pitchFamily="34" charset="0"/>
               </a:rPr>
               <a:t>Something the individual is (static biometrics):</a:t>
             </a:r>
             <a:r>
-              <a:rPr lang="en-US" smtClean="0">
+              <a:rPr lang="en-US" dirty="0" smtClean="0">
                 <a:latin typeface="Arial" pitchFamily="34" charset="0"/>
                 <a:cs typeface="Arial" pitchFamily="34" charset="0"/>
               </a:rPr>
@@ -3455,21 +3467,21 @@
           <a:p>
             <a:pPr eaLnBrk="1" hangingPunct="1"/>
             <a:r>
-              <a:rPr lang="en-US" smtClean="0">
+              <a:rPr lang="en-US" dirty="0" smtClean="0">
                 <a:latin typeface="Arial" pitchFamily="34" charset="0"/>
                 <a:cs typeface="Times New Roman" pitchFamily="18" charset="0"/>
               </a:rPr>
               <a:t>• </a:t>
             </a:r>
             <a:r>
-              <a:rPr lang="en-US" b="1" smtClean="0">
+              <a:rPr lang="en-US" b="1" dirty="0" smtClean="0">
                 <a:latin typeface="Arial" pitchFamily="34" charset="0"/>
                 <a:cs typeface="Arial" pitchFamily="34" charset="0"/>
               </a:rPr>
               <a:t>Something the individual does (dynamic biometrics):</a:t>
             </a:r>
             <a:r>
-              <a:rPr lang="en-US" smtClean="0">
+              <a:rPr lang="en-US" dirty="0" smtClean="0">
                 <a:latin typeface="Arial" pitchFamily="34" charset="0"/>
                 <a:cs typeface="Arial" pitchFamily="34" charset="0"/>
               </a:rPr>
@@ -3479,7 +3491,7 @@
           <a:p>
             <a:pPr eaLnBrk="1" hangingPunct="1"/>
             <a:r>
-              <a:rPr lang="en-US" smtClean="0">
+              <a:rPr lang="en-US" dirty="0" smtClean="0">
                 <a:latin typeface="Arial" pitchFamily="34" charset="0"/>
                 <a:cs typeface="Arial" pitchFamily="34" charset="0"/>
               </a:rPr>
@@ -24871,24 +24883,32 @@
           <a:p>
             <a:pPr eaLnBrk="1" hangingPunct="1"/>
             <a:r>
-              <a:rPr lang="en-US" smtClean="0"/>
+              <a:rPr lang="en-US" dirty="0" smtClean="0"/>
               <a:t>use refinement of KDC to secure email</a:t>
             </a:r>
           </a:p>
           <a:p>
             <a:pPr lvl="1" eaLnBrk="1" hangingPunct="1"/>
             <a:r>
-              <a:rPr lang="en-US" smtClean="0"/>
-              <a:t>since B no online, drop steps 4 &amp; 5</a:t>
+              <a:rPr lang="en-US" dirty="0" smtClean="0"/>
+              <a:t>since B </a:t>
+            </a:r>
+            <a:r>
+              <a:rPr lang="en-US" dirty="0" smtClean="0"/>
+              <a:t>not </a:t>
+            </a:r>
+            <a:r>
+              <a:rPr lang="en-US" dirty="0" smtClean="0"/>
+              <a:t>online, drop steps 4 &amp; 5</a:t>
             </a:r>
           </a:p>
           <a:p>
             <a:pPr eaLnBrk="1" hangingPunct="1"/>
             <a:r>
-              <a:rPr lang="en-US" smtClean="0"/>
+              <a:rPr lang="en-US" dirty="0" smtClean="0"/>
               <a:t>protocol becomes:</a:t>
             </a:r>
-            <a:endParaRPr lang="en-AU" smtClean="0"/>
+            <a:endParaRPr lang="en-AU" dirty="0" smtClean="0"/>
           </a:p>
           <a:p>
             <a:pPr lvl="1" eaLnBrk="1" hangingPunct="1">
@@ -24896,54 +24916,54 @@
               <a:buNone/>
             </a:pPr>
             <a:r>
-              <a:rPr lang="en-AU" b="1" smtClean="0"/>
+              <a:rPr lang="en-AU" b="1" dirty="0" smtClean="0"/>
               <a:t>1. </a:t>
             </a:r>
             <a:r>
-              <a:rPr lang="en-AU" smtClean="0"/>
+              <a:rPr lang="en-AU" dirty="0" smtClean="0"/>
               <a:t>A-&gt;KDC: </a:t>
             </a:r>
             <a:r>
-              <a:rPr lang="en-AU" i="1" smtClean="0"/>
+              <a:rPr lang="en-AU" i="1" dirty="0" smtClean="0"/>
               <a:t>ID</a:t>
             </a:r>
             <a:r>
-              <a:rPr lang="en-AU" i="1" baseline="-25000" smtClean="0"/>
+              <a:rPr lang="en-AU" i="1" baseline="-25000" dirty="0" smtClean="0"/>
               <a:t>A</a:t>
             </a:r>
             <a:r>
-              <a:rPr lang="en-AU" i="1" smtClean="0"/>
+              <a:rPr lang="en-AU" i="1" dirty="0" smtClean="0"/>
               <a:t> </a:t>
             </a:r>
             <a:r>
-              <a:rPr lang="en-AU" smtClean="0"/>
+              <a:rPr lang="en-AU" dirty="0" smtClean="0"/>
               <a:t>|| </a:t>
             </a:r>
             <a:r>
-              <a:rPr lang="en-AU" i="1" smtClean="0"/>
+              <a:rPr lang="en-AU" i="1" dirty="0" smtClean="0"/>
               <a:t>ID</a:t>
             </a:r>
             <a:r>
-              <a:rPr lang="en-AU" i="1" baseline="-25000" smtClean="0"/>
+              <a:rPr lang="en-AU" i="1" baseline="-25000" dirty="0" smtClean="0"/>
               <a:t>B</a:t>
             </a:r>
             <a:r>
-              <a:rPr lang="en-AU" i="1" smtClean="0"/>
+              <a:rPr lang="en-AU" i="1" dirty="0" smtClean="0"/>
               <a:t> </a:t>
             </a:r>
             <a:r>
-              <a:rPr lang="en-AU" smtClean="0"/>
+              <a:rPr lang="en-AU" dirty="0" smtClean="0"/>
               <a:t>|| </a:t>
             </a:r>
             <a:r>
-              <a:rPr lang="en-AU" i="1" smtClean="0"/>
+              <a:rPr lang="en-AU" i="1" dirty="0" smtClean="0"/>
               <a:t>N</a:t>
             </a:r>
             <a:r>
-              <a:rPr lang="en-AU" i="1" baseline="-25000" smtClean="0"/>
+              <a:rPr lang="en-AU" i="1" baseline="-25000" dirty="0" smtClean="0"/>
               <a:t>1</a:t>
             </a:r>
-            <a:endParaRPr lang="en-AU" smtClean="0"/>
+            <a:endParaRPr lang="en-AU" dirty="0" smtClean="0"/>
           </a:p>
           <a:p>
             <a:pPr lvl="1" eaLnBrk="1" hangingPunct="1">
@@ -24951,96 +24971,100 @@
               <a:buNone/>
             </a:pPr>
             <a:r>
-              <a:rPr lang="en-AU" b="1" smtClean="0"/>
+              <a:rPr lang="en-AU" b="1" dirty="0" smtClean="0"/>
               <a:t>2</a:t>
             </a:r>
             <a:r>
-              <a:rPr lang="en-AU" smtClean="0"/>
+              <a:rPr lang="en-AU" dirty="0" smtClean="0"/>
               <a:t>. KDC -&gt;</a:t>
             </a:r>
             <a:r>
-              <a:rPr lang="en-AU" smtClean="0">
+              <a:rPr lang="en-AU" dirty="0" smtClean="0">
                 <a:cs typeface="Arial" pitchFamily="34" charset="0"/>
               </a:rPr>
               <a:t> </a:t>
             </a:r>
             <a:r>
-              <a:rPr lang="en-AU" smtClean="0"/>
-              <a:t>A: E(K</a:t>
-            </a:r>
-            <a:r>
-              <a:rPr lang="en-AU" baseline="-25000" smtClean="0"/>
+              <a:rPr lang="en-AU" dirty="0" smtClean="0"/>
+              <a:t>A: E(</a:t>
+            </a:r>
+            <a:r>
+              <a:rPr lang="en-AU" dirty="0" err="1" smtClean="0"/>
+              <a:t>K</a:t>
+            </a:r>
+            <a:r>
+              <a:rPr lang="en-AU" baseline="-25000" dirty="0" err="1" smtClean="0"/>
               <a:t>a</a:t>
             </a:r>
             <a:r>
-              <a:rPr lang="en-AU" smtClean="0"/>
+              <a:rPr lang="en-AU" dirty="0" smtClean="0"/>
               <a:t>, [K</a:t>
             </a:r>
             <a:r>
-              <a:rPr lang="en-AU" baseline="-25000" smtClean="0"/>
+              <a:rPr lang="en-AU" baseline="-25000" dirty="0" smtClean="0"/>
               <a:t>s</a:t>
             </a:r>
             <a:r>
-              <a:rPr lang="en-AU" smtClean="0"/>
+              <a:rPr lang="en-AU" dirty="0" smtClean="0"/>
               <a:t>||</a:t>
             </a:r>
             <a:r>
-              <a:rPr lang="en-AU" i="1" smtClean="0"/>
+              <a:rPr lang="en-AU" i="1" dirty="0" smtClean="0"/>
               <a:t>ID</a:t>
             </a:r>
             <a:r>
-              <a:rPr lang="en-AU" i="1" baseline="-25000" smtClean="0"/>
+              <a:rPr lang="en-AU" i="1" baseline="-25000" dirty="0" smtClean="0"/>
               <a:t>B</a:t>
             </a:r>
             <a:r>
-              <a:rPr lang="en-AU" smtClean="0"/>
+              <a:rPr lang="en-AU" dirty="0" smtClean="0"/>
               <a:t>||</a:t>
             </a:r>
             <a:r>
-              <a:rPr lang="en-AU" i="1" smtClean="0"/>
+              <a:rPr lang="en-AU" i="1" dirty="0" smtClean="0"/>
               <a:t>N</a:t>
             </a:r>
             <a:r>
-              <a:rPr lang="en-AU" i="1" baseline="-25000" smtClean="0"/>
+              <a:rPr lang="en-AU" i="1" baseline="-25000" dirty="0" smtClean="0"/>
               <a:t>1 </a:t>
             </a:r>
             <a:r>
-              <a:rPr lang="en-AU" smtClean="0"/>
+              <a:rPr lang="en-AU" dirty="0" smtClean="0"/>
               <a:t>|| E(K</a:t>
             </a:r>
             <a:r>
-              <a:rPr lang="en-AU" baseline="-25000" smtClean="0"/>
+              <a:rPr lang="en-AU" baseline="-25000" dirty="0" smtClean="0"/>
               <a:t>b</a:t>
             </a:r>
             <a:r>
-              <a:rPr lang="en-AU" smtClean="0"/>
+              <a:rPr lang="en-AU" dirty="0" smtClean="0"/>
               <a:t>,[</a:t>
             </a:r>
             <a:r>
-              <a:rPr lang="en-AU" i="1" smtClean="0"/>
+              <a:rPr lang="en-AU" i="1" dirty="0" smtClean="0"/>
               <a:t>K</a:t>
             </a:r>
             <a:r>
-              <a:rPr lang="en-AU" baseline="-25000" smtClean="0"/>
+              <a:rPr lang="en-AU" baseline="-25000" dirty="0" smtClean="0"/>
               <a:t>s</a:t>
             </a:r>
             <a:r>
-              <a:rPr lang="en-AU" smtClean="0"/>
+              <a:rPr lang="en-AU" dirty="0" smtClean="0"/>
               <a:t>||</a:t>
             </a:r>
             <a:r>
-              <a:rPr lang="en-AU" i="1" smtClean="0"/>
+              <a:rPr lang="en-AU" i="1" dirty="0" smtClean="0"/>
               <a:t>ID</a:t>
             </a:r>
             <a:r>
-              <a:rPr lang="en-AU" i="1" baseline="-25000" smtClean="0"/>
+              <a:rPr lang="en-AU" i="1" baseline="-25000" dirty="0" smtClean="0"/>
               <a:t>A</a:t>
             </a:r>
             <a:r>
-              <a:rPr lang="en-AU" smtClean="0"/>
+              <a:rPr lang="en-AU" dirty="0" smtClean="0"/>
               <a:t>])])</a:t>
             </a:r>
-            <a:endParaRPr lang="en-AU" i="1" smtClean="0"/>
+            <a:endParaRPr lang="en-AU" i="1" dirty="0" smtClean="0"/>
           </a:p>
           <a:p>
             <a:pPr lvl="1" eaLnBrk="1" hangingPunct="1">
@@ -25048,84 +25072,84 @@
               <a:buNone/>
             </a:pPr>
             <a:r>
-              <a:rPr lang="en-AU" b="1" smtClean="0"/>
+              <a:rPr lang="en-AU" b="1" dirty="0" smtClean="0"/>
               <a:t>3. </a:t>
             </a:r>
             <a:r>
-              <a:rPr lang="en-AU" smtClean="0"/>
+              <a:rPr lang="en-AU" dirty="0" smtClean="0"/>
               <a:t>A -&gt;</a:t>
             </a:r>
             <a:r>
-              <a:rPr lang="en-AU" smtClean="0">
+              <a:rPr lang="en-AU" dirty="0" smtClean="0">
                 <a:cs typeface="Arial" pitchFamily="34" charset="0"/>
               </a:rPr>
               <a:t> </a:t>
             </a:r>
             <a:r>
-              <a:rPr lang="en-AU" smtClean="0"/>
+              <a:rPr lang="en-AU" dirty="0" smtClean="0"/>
               <a:t>B: E(K</a:t>
             </a:r>
             <a:r>
-              <a:rPr lang="en-AU" baseline="-25000" smtClean="0"/>
+              <a:rPr lang="en-AU" baseline="-25000" dirty="0" smtClean="0"/>
               <a:t>b</a:t>
             </a:r>
             <a:r>
-              <a:rPr lang="en-AU" smtClean="0"/>
+              <a:rPr lang="en-AU" dirty="0" smtClean="0"/>
               <a:t>, [</a:t>
             </a:r>
             <a:r>
-              <a:rPr lang="en-AU" i="1" smtClean="0"/>
+              <a:rPr lang="en-AU" i="1" dirty="0" smtClean="0"/>
               <a:t>K</a:t>
             </a:r>
             <a:r>
-              <a:rPr lang="en-AU" baseline="-25000" smtClean="0"/>
+              <a:rPr lang="en-AU" baseline="-25000" dirty="0" smtClean="0"/>
               <a:t>s</a:t>
             </a:r>
             <a:r>
-              <a:rPr lang="en-AU" smtClean="0"/>
+              <a:rPr lang="en-AU" dirty="0" smtClean="0"/>
               <a:t>||</a:t>
             </a:r>
             <a:r>
-              <a:rPr lang="en-AU" i="1" smtClean="0"/>
+              <a:rPr lang="en-AU" i="1" dirty="0" smtClean="0"/>
               <a:t>ID</a:t>
             </a:r>
             <a:r>
-              <a:rPr lang="en-AU" i="1" baseline="-25000" smtClean="0"/>
+              <a:rPr lang="en-AU" i="1" baseline="-25000" dirty="0" smtClean="0"/>
               <a:t>A</a:t>
             </a:r>
             <a:r>
-              <a:rPr lang="en-AU" smtClean="0"/>
+              <a:rPr lang="en-AU" dirty="0" smtClean="0"/>
               <a:t>])</a:t>
             </a:r>
             <a:r>
-              <a:rPr lang="en-AU" i="1" smtClean="0"/>
+              <a:rPr lang="en-AU" i="1" dirty="0" smtClean="0"/>
               <a:t> </a:t>
             </a:r>
             <a:r>
-              <a:rPr lang="en-AU" smtClean="0"/>
+              <a:rPr lang="en-AU" dirty="0" smtClean="0"/>
               <a:t>|| E(K</a:t>
             </a:r>
             <a:r>
-              <a:rPr lang="en-AU" baseline="-25000" smtClean="0"/>
+              <a:rPr lang="en-AU" baseline="-25000" dirty="0" smtClean="0"/>
               <a:t>s</a:t>
             </a:r>
             <a:r>
-              <a:rPr lang="en-AU" smtClean="0"/>
+              <a:rPr lang="en-AU" dirty="0" smtClean="0"/>
               <a:t>, M)</a:t>
             </a:r>
-            <a:endParaRPr lang="en-US" smtClean="0"/>
+            <a:endParaRPr lang="en-US" dirty="0" smtClean="0"/>
           </a:p>
           <a:p>
             <a:pPr eaLnBrk="1" hangingPunct="1"/>
             <a:r>
-              <a:rPr lang="en-US" smtClean="0"/>
+              <a:rPr lang="en-US" dirty="0" smtClean="0"/>
               <a:t>provides encryption &amp; some authentication</a:t>
             </a:r>
           </a:p>
           <a:p>
             <a:pPr eaLnBrk="1" hangingPunct="1"/>
             <a:r>
-              <a:rPr lang="en-US" smtClean="0"/>
+              <a:rPr lang="en-US" dirty="0" smtClean="0"/>
               <a:t>does not protect from replay attack</a:t>
             </a:r>
           </a:p>
@@ -25466,7 +25490,7 @@
               <a:defRPr/>
             </a:pPr>
             <a:r>
-              <a:rPr lang="en-AU"/>
+              <a:rPr lang="en-AU" dirty="0"/>
               <a:t>a basic third-party authentication scheme</a:t>
             </a:r>
           </a:p>
@@ -25477,8 +25501,12 @@
               <a:defRPr/>
             </a:pPr>
             <a:r>
-              <a:rPr lang="en-AU"/>
-              <a:t>have an Authentication Server (AS) </a:t>
+              <a:rPr lang="en-AU" dirty="0" smtClean="0"/>
+              <a:t>Authentication </a:t>
+            </a:r>
+            <a:r>
+              <a:rPr lang="en-AU" dirty="0"/>
+              <a:t>Server (AS) </a:t>
             </a:r>
           </a:p>
           <a:p>
@@ -25488,7 +25516,7 @@
               <a:defRPr/>
             </a:pPr>
             <a:r>
-              <a:rPr lang="en-AU"/>
+              <a:rPr lang="en-AU" dirty="0"/>
               <a:t>users initially negotiate with AS to identify self </a:t>
             </a:r>
           </a:p>
@@ -25499,7 +25527,7 @@
               <a:defRPr/>
             </a:pPr>
             <a:r>
-              <a:rPr lang="en-AU"/>
+              <a:rPr lang="en-AU" dirty="0"/>
               <a:t>AS provides a non-corruptible authentication credential (ticket granting ticket TGT) </a:t>
             </a:r>
           </a:p>
@@ -25510,10 +25538,14 @@
               <a:defRPr/>
             </a:pPr>
             <a:r>
-              <a:rPr lang="en-US"/>
-              <a:t>have a Ticket Granting server (TGS)</a:t>
-            </a:r>
-            <a:endParaRPr lang="en-AU"/>
+              <a:rPr lang="en-US" dirty="0" smtClean="0"/>
+              <a:t>Ticket </a:t>
+            </a:r>
+            <a:r>
+              <a:rPr lang="en-US" dirty="0"/>
+              <a:t>Granting server (TGS)</a:t>
+            </a:r>
+            <a:endParaRPr lang="en-AU" dirty="0"/>
           </a:p>
           <a:p>
             <a:pPr lvl="1" eaLnBrk="1" hangingPunct="1">
@@ -25522,7 +25554,7 @@
               <a:defRPr/>
             </a:pPr>
             <a:r>
-              <a:rPr lang="en-AU"/>
+              <a:rPr lang="en-AU" dirty="0"/>
               <a:t>users subsequently request access to other services from TGS on basis of users TGT</a:t>
             </a:r>
           </a:p>
@@ -25533,7 +25565,7 @@
               <a:defRPr/>
             </a:pPr>
             <a:r>
-              <a:rPr lang="en-AU"/>
+              <a:rPr lang="en-AU" dirty="0"/>
               <a:t>using a complex protocol using DES</a:t>
             </a:r>
           </a:p>
@@ -26355,56 +26387,73 @@
           <a:p>
             <a:pPr eaLnBrk="1" hangingPunct="1"/>
             <a:r>
-              <a:rPr lang="en-US" smtClean="0"/>
-              <a:t>in Ch 14 saw use of public-key encryption for session key distribution</a:t>
+              <a:rPr lang="en-US" dirty="0" smtClean="0"/>
+              <a:t>use </a:t>
+            </a:r>
+            <a:r>
+              <a:rPr lang="en-US" dirty="0" smtClean="0"/>
+              <a:t>of public-key encryption for session key distribution</a:t>
             </a:r>
           </a:p>
           <a:p>
             <a:pPr lvl="1" eaLnBrk="1" hangingPunct="1"/>
             <a:r>
-              <a:rPr lang="en-US" smtClean="0"/>
+              <a:rPr lang="en-US" dirty="0" smtClean="0"/>
               <a:t>assumes both parties have other’s public keys</a:t>
             </a:r>
           </a:p>
           <a:p>
             <a:pPr lvl="1" eaLnBrk="1" hangingPunct="1"/>
             <a:r>
-              <a:rPr lang="en-US" smtClean="0"/>
+              <a:rPr lang="en-US" dirty="0" smtClean="0"/>
               <a:t>may not be practical</a:t>
             </a:r>
           </a:p>
           <a:p>
             <a:pPr eaLnBrk="1" hangingPunct="1"/>
             <a:r>
-              <a:rPr lang="en-US" smtClean="0"/>
-              <a:t>have Denning protocol using timestamps</a:t>
+              <a:rPr lang="en-US" dirty="0" smtClean="0"/>
+              <a:t>Denning </a:t>
+            </a:r>
+            <a:r>
+              <a:rPr lang="en-US" dirty="0" smtClean="0"/>
+              <a:t>protocol using timestamps</a:t>
             </a:r>
           </a:p>
           <a:p>
             <a:pPr lvl="1" eaLnBrk="1" hangingPunct="1"/>
             <a:r>
-              <a:rPr lang="en-US" smtClean="0"/>
+              <a:rPr lang="en-US" dirty="0" smtClean="0"/>
               <a:t>uses central authentication server (AS) to provide public-key certificates</a:t>
             </a:r>
           </a:p>
           <a:p>
             <a:pPr lvl="1" eaLnBrk="1" hangingPunct="1"/>
             <a:r>
-              <a:rPr lang="en-US" smtClean="0"/>
+              <a:rPr lang="en-US" dirty="0" smtClean="0"/>
               <a:t>requires synchronized clocks</a:t>
             </a:r>
           </a:p>
           <a:p>
             <a:pPr eaLnBrk="1" hangingPunct="1"/>
             <a:r>
-              <a:rPr lang="en-US" smtClean="0"/>
-              <a:t>have Woo and Lam protocol using nonces</a:t>
-            </a:r>
+              <a:rPr lang="en-US" dirty="0" smtClean="0"/>
+              <a:t>Woo </a:t>
+            </a:r>
+            <a:r>
+              <a:rPr lang="en-US" dirty="0" smtClean="0"/>
+              <a:t>and Lam protocol using </a:t>
+            </a:r>
+            <a:r>
+              <a:rPr lang="en-US" dirty="0" err="1" smtClean="0"/>
+              <a:t>nonces</a:t>
+            </a:r>
+            <a:endParaRPr lang="en-US" dirty="0" smtClean="0"/>
           </a:p>
           <a:p>
             <a:pPr eaLnBrk="1" hangingPunct="1"/>
             <a:r>
-              <a:rPr lang="en-US" smtClean="0"/>
+              <a:rPr lang="en-US" dirty="0" smtClean="0"/>
               <a:t>care needed to ensure no protocol flaws</a:t>
             </a:r>
           </a:p>
@@ -26489,18 +26538,18 @@
               <a:defRPr/>
             </a:pPr>
             <a:r>
-              <a:rPr lang="en-AU" dirty="0" smtClean="0">
-                <a:ea typeface="+mn-ea"/>
-                <a:cs typeface="+mn-cs"/>
-              </a:rPr>
-              <a:t>have </a:t>
-            </a:r>
-            <a:r>
               <a:rPr lang="en-US" kern="1200" dirty="0" smtClean="0">
                 <a:ea typeface="+mn-ea"/>
                 <a:cs typeface="+mn-cs"/>
               </a:rPr>
-              <a:t>public-key approaches for email</a:t>
+              <a:t>public-key </a:t>
+            </a:r>
+            <a:r>
+              <a:rPr lang="en-US" kern="1200" dirty="0" smtClean="0">
+                <a:ea typeface="+mn-ea"/>
+                <a:cs typeface="+mn-cs"/>
+              </a:rPr>
+              <a:t>approaches for email</a:t>
             </a:r>
           </a:p>
           <a:p>
@@ -26522,7 +26571,15 @@
             </a:pPr>
             <a:r>
               <a:rPr lang="en-US" kern="1200" dirty="0" smtClean="0"/>
-              <a:t>must now public keys</a:t>
+              <a:t>must </a:t>
+            </a:r>
+            <a:r>
+              <a:rPr lang="en-US" kern="1200" dirty="0" smtClean="0"/>
+              <a:t>know </a:t>
+            </a:r>
+            <a:r>
+              <a:rPr lang="en-US" kern="1200" dirty="0" smtClean="0"/>
+              <a:t>public keys</a:t>
             </a:r>
           </a:p>
           <a:p>
@@ -26997,7 +27054,7 @@
               <a:defRPr/>
             </a:pPr>
             <a:r>
-              <a:rPr lang="en-US" smtClean="0"/>
+              <a:rPr lang="en-US" dirty="0" smtClean="0"/>
               <a:t>Security Assertion Markup Language (SAML)</a:t>
             </a:r>
           </a:p>
@@ -27008,7 +27065,7 @@
               <a:defRPr/>
             </a:pPr>
             <a:r>
-              <a:rPr lang="en-US" smtClean="0"/>
+              <a:rPr lang="en-US" dirty="0" smtClean="0"/>
               <a:t>XML-based language for exchange of security information between online business partners</a:t>
             </a:r>
           </a:p>
@@ -27019,7 +27076,7 @@
               <a:defRPr/>
             </a:pPr>
             <a:r>
-              <a:rPr lang="en-US" smtClean="0"/>
+              <a:rPr lang="en-US" dirty="0" smtClean="0"/>
               <a:t>part of OASIS (Organization for the Advancement of Structured Information Standards) standards for federated identity management</a:t>
             </a:r>
           </a:p>
@@ -27030,11 +27087,11 @@
               <a:defRPr/>
             </a:pPr>
             <a:r>
-              <a:rPr lang="en-US" smtClean="0"/>
+              <a:rPr lang="en-US" dirty="0" smtClean="0"/>
               <a:t>e.g. </a:t>
             </a:r>
             <a:r>
-              <a:rPr lang="en-US" smtClean="0">
+              <a:rPr lang="en-US" dirty="0" smtClean="0">
                 <a:cs typeface="ＭＳ Ｐゴシック" pitchFamily="-107" charset="-128"/>
               </a:rPr>
               <a:t>WS-Federation for browser-based federation</a:t>
@@ -27047,8 +27104,12 @@
               <a:defRPr/>
             </a:pPr>
             <a:r>
-              <a:rPr lang="en-US" smtClean="0"/>
-              <a:t>need a few mature industry standards</a:t>
+              <a:rPr lang="en-US" dirty="0" smtClean="0"/>
+              <a:t>needs </a:t>
+            </a:r>
+            <a:r>
+              <a:rPr lang="en-US" dirty="0" smtClean="0"/>
+              <a:t>a few mature industry standards</a:t>
             </a:r>
           </a:p>
         </p:txBody>
@@ -27206,71 +27267,64 @@
           <a:p>
             <a:pPr eaLnBrk="1" hangingPunct="1">
               <a:buFont typeface="Wingdings" pitchFamily="-107" charset="2"/>
-              <a:buChar char="Ø"/>
+              <a:buChar char="l"/>
               <a:defRPr/>
             </a:pPr>
             <a:r>
-              <a:rPr lang="en-US"/>
-              <a:t>have considered:</a:t>
-            </a:r>
-          </a:p>
-          <a:p>
-            <a:pPr lvl="1" eaLnBrk="1" hangingPunct="1">
+              <a:rPr lang="en-US" dirty="0" smtClean="0"/>
+              <a:t>remote </a:t>
+            </a:r>
+            <a:r>
+              <a:rPr lang="en-US" dirty="0"/>
+              <a:t>user authentication issues</a:t>
+            </a:r>
+          </a:p>
+          <a:p>
+            <a:pPr eaLnBrk="1" hangingPunct="1">
               <a:buFont typeface="Wingdings" pitchFamily="-107" charset="2"/>
               <a:buChar char="l"/>
               <a:defRPr/>
             </a:pPr>
             <a:r>
-              <a:rPr lang="en-US"/>
-              <a:t>remote user authentication issues</a:t>
-            </a:r>
-          </a:p>
-          <a:p>
-            <a:pPr lvl="1" eaLnBrk="1" hangingPunct="1">
+              <a:rPr lang="en-US" dirty="0"/>
+              <a:t>authentication using symmetric encryption</a:t>
+            </a:r>
+          </a:p>
+          <a:p>
+            <a:pPr eaLnBrk="1" hangingPunct="1">
               <a:buFont typeface="Wingdings" pitchFamily="-107" charset="2"/>
               <a:buChar char="l"/>
               <a:defRPr/>
             </a:pPr>
             <a:r>
-              <a:rPr lang="en-US"/>
-              <a:t>authentication using symmetric encryption</a:t>
-            </a:r>
-          </a:p>
-          <a:p>
-            <a:pPr lvl="1" eaLnBrk="1" hangingPunct="1">
+              <a:rPr lang="en-US" dirty="0"/>
+              <a:t>the Kerberos </a:t>
+            </a:r>
+            <a:r>
+              <a:rPr lang="en-AU" dirty="0"/>
+              <a:t>trusted key server system</a:t>
+            </a:r>
+            <a:endParaRPr lang="en-US" dirty="0"/>
+          </a:p>
+          <a:p>
+            <a:pPr eaLnBrk="1" hangingPunct="1">
               <a:buFont typeface="Wingdings" pitchFamily="-107" charset="2"/>
               <a:buChar char="l"/>
               <a:defRPr/>
             </a:pPr>
             <a:r>
-              <a:rPr lang="en-US"/>
-              <a:t>the Kerberos </a:t>
-            </a:r>
-            <a:r>
-              <a:rPr lang="en-AU"/>
-              <a:t>trusted key server system</a:t>
-            </a:r>
-            <a:endParaRPr lang="en-US"/>
-          </a:p>
-          <a:p>
-            <a:pPr lvl="1" eaLnBrk="1" hangingPunct="1">
+              <a:rPr lang="en-US" dirty="0"/>
+              <a:t>authentication using asymmetric encryption</a:t>
+            </a:r>
+          </a:p>
+          <a:p>
+            <a:pPr eaLnBrk="1" hangingPunct="1">
               <a:buFont typeface="Wingdings" pitchFamily="-107" charset="2"/>
               <a:buChar char="l"/>
               <a:defRPr/>
             </a:pPr>
             <a:r>
-              <a:rPr lang="en-US"/>
-              <a:t>authentication using asymmetric encryption</a:t>
-            </a:r>
-          </a:p>
-          <a:p>
-            <a:pPr lvl="1" eaLnBrk="1" hangingPunct="1">
-              <a:buFont typeface="Wingdings" pitchFamily="-107" charset="2"/>
-              <a:buChar char="l"/>
-              <a:defRPr/>
-            </a:pPr>
-            <a:r>
-              <a:rPr lang="en-US"/>
+              <a:rPr lang="en-US" dirty="0"/>
               <a:t>federated identity management</a:t>
             </a:r>
           </a:p>
